--- a/images/signal_Actinobacteria.pptx
+++ b/images/signal_Actinobacteria.pptx
@@ -304,7 +304,7 @@
           <a:p>
             <a:fld id="{01197F44-DB72-474A-9754-31703E05C006}" type="datetimeFigureOut">
               <a:rPr lang="en-US" smtClean="0"/>
-              <a:t>10/15/19</a:t>
+              <a:t>11/25/19</a:t>
             </a:fld>
             <a:endParaRPr lang="en-US"/>
           </a:p>
@@ -474,7 +474,7 @@
           <a:p>
             <a:fld id="{01197F44-DB72-474A-9754-31703E05C006}" type="datetimeFigureOut">
               <a:rPr lang="en-US" smtClean="0"/>
-              <a:t>10/15/19</a:t>
+              <a:t>11/25/19</a:t>
             </a:fld>
             <a:endParaRPr lang="en-US"/>
           </a:p>
@@ -654,7 +654,7 @@
           <a:p>
             <a:fld id="{01197F44-DB72-474A-9754-31703E05C006}" type="datetimeFigureOut">
               <a:rPr lang="en-US" smtClean="0"/>
-              <a:t>10/15/19</a:t>
+              <a:t>11/25/19</a:t>
             </a:fld>
             <a:endParaRPr lang="en-US"/>
           </a:p>
@@ -824,7 +824,7 @@
           <a:p>
             <a:fld id="{01197F44-DB72-474A-9754-31703E05C006}" type="datetimeFigureOut">
               <a:rPr lang="en-US" smtClean="0"/>
-              <a:t>10/15/19</a:t>
+              <a:t>11/25/19</a:t>
             </a:fld>
             <a:endParaRPr lang="en-US"/>
           </a:p>
@@ -1070,7 +1070,7 @@
           <a:p>
             <a:fld id="{01197F44-DB72-474A-9754-31703E05C006}" type="datetimeFigureOut">
               <a:rPr lang="en-US" smtClean="0"/>
-              <a:t>10/15/19</a:t>
+              <a:t>11/25/19</a:t>
             </a:fld>
             <a:endParaRPr lang="en-US"/>
           </a:p>
@@ -1358,7 +1358,7 @@
           <a:p>
             <a:fld id="{01197F44-DB72-474A-9754-31703E05C006}" type="datetimeFigureOut">
               <a:rPr lang="en-US" smtClean="0"/>
-              <a:t>10/15/19</a:t>
+              <a:t>11/25/19</a:t>
             </a:fld>
             <a:endParaRPr lang="en-US"/>
           </a:p>
@@ -1780,7 +1780,7 @@
           <a:p>
             <a:fld id="{01197F44-DB72-474A-9754-31703E05C006}" type="datetimeFigureOut">
               <a:rPr lang="en-US" smtClean="0"/>
-              <a:t>10/15/19</a:t>
+              <a:t>11/25/19</a:t>
             </a:fld>
             <a:endParaRPr lang="en-US"/>
           </a:p>
@@ -1898,7 +1898,7 @@
           <a:p>
             <a:fld id="{01197F44-DB72-474A-9754-31703E05C006}" type="datetimeFigureOut">
               <a:rPr lang="en-US" smtClean="0"/>
-              <a:t>10/15/19</a:t>
+              <a:t>11/25/19</a:t>
             </a:fld>
             <a:endParaRPr lang="en-US"/>
           </a:p>
@@ -1993,7 +1993,7 @@
           <a:p>
             <a:fld id="{01197F44-DB72-474A-9754-31703E05C006}" type="datetimeFigureOut">
               <a:rPr lang="en-US" smtClean="0"/>
-              <a:t>10/15/19</a:t>
+              <a:t>11/25/19</a:t>
             </a:fld>
             <a:endParaRPr lang="en-US"/>
           </a:p>
@@ -2270,7 +2270,7 @@
           <a:p>
             <a:fld id="{01197F44-DB72-474A-9754-31703E05C006}" type="datetimeFigureOut">
               <a:rPr lang="en-US" smtClean="0"/>
-              <a:t>10/15/19</a:t>
+              <a:t>11/25/19</a:t>
             </a:fld>
             <a:endParaRPr lang="en-US"/>
           </a:p>
@@ -2523,7 +2523,7 @@
           <a:p>
             <a:fld id="{01197F44-DB72-474A-9754-31703E05C006}" type="datetimeFigureOut">
               <a:rPr lang="en-US" smtClean="0"/>
-              <a:t>10/15/19</a:t>
+              <a:t>11/25/19</a:t>
             </a:fld>
             <a:endParaRPr lang="en-US"/>
           </a:p>
@@ -2736,7 +2736,7 @@
           <a:p>
             <a:fld id="{01197F44-DB72-474A-9754-31703E05C006}" type="datetimeFigureOut">
               <a:rPr lang="en-US" smtClean="0"/>
-              <a:t>10/15/19</a:t>
+              <a:t>11/25/19</a:t>
             </a:fld>
             <a:endParaRPr lang="en-US"/>
           </a:p>
@@ -3148,7 +3148,9 @@
               <p:nvPr/>
             </p:nvPicPr>
             <p:blipFill>
-              <a:blip r:embed="rId2"/>
+              <a:blip r:embed="rId2">
+                <a:grayscl/>
+              </a:blip>
               <a:stretch>
                 <a:fillRect/>
               </a:stretch>
@@ -3186,18 +3188,10 @@
               <a:p>
                 <a:pPr algn="ctr"/>
                 <a:r>
-                  <a:rPr lang="en-US" sz="1400" dirty="0" err="1" smtClean="0">
-                    <a:solidFill>
-                      <a:srgbClr val="0070C0"/>
-                    </a:solidFill>
-                  </a:rPr>
+                  <a:rPr lang="en-US" sz="1400" dirty="0" err="1" smtClean="0"/>
                   <a:t>Proline</a:t>
                 </a:r>
-                <a:endParaRPr lang="en-US" sz="1400" dirty="0">
-                  <a:solidFill>
-                    <a:srgbClr val="0070C0"/>
-                  </a:solidFill>
-                </a:endParaRPr>
+                <a:endParaRPr lang="en-US" sz="1400" dirty="0"/>
               </a:p>
             </p:txBody>
           </p:sp>
@@ -3224,33 +3218,17 @@
               <a:p>
                 <a:pPr algn="ctr"/>
                 <a:r>
-                  <a:rPr lang="en-US" sz="1400" dirty="0" smtClean="0">
-                    <a:solidFill>
-                      <a:srgbClr val="C00000"/>
-                    </a:solidFill>
-                  </a:rPr>
+                  <a:rPr lang="en-US" sz="1400" dirty="0" smtClean="0"/>
                   <a:t>Phenyl-</a:t>
                 </a:r>
                 <a:br>
-                  <a:rPr lang="en-US" sz="1400" dirty="0" smtClean="0">
-                    <a:solidFill>
-                      <a:srgbClr val="C00000"/>
-                    </a:solidFill>
-                  </a:rPr>
+                  <a:rPr lang="en-US" sz="1400" dirty="0" smtClean="0"/>
                 </a:br>
                 <a:r>
-                  <a:rPr lang="en-US" sz="1400" dirty="0" smtClean="0">
-                    <a:solidFill>
-                      <a:srgbClr val="C00000"/>
-                    </a:solidFill>
-                  </a:rPr>
+                  <a:rPr lang="en-US" sz="1400" dirty="0" smtClean="0"/>
                   <a:t>alanine</a:t>
                 </a:r>
-                <a:endParaRPr lang="en-US" sz="1400" dirty="0">
-                  <a:solidFill>
-                    <a:srgbClr val="C00000"/>
-                  </a:solidFill>
-                </a:endParaRPr>
+                <a:endParaRPr lang="en-US" sz="1400" dirty="0"/>
               </a:p>
             </p:txBody>
           </p:sp>
@@ -3419,7 +3397,6 @@
                   <a:rPr lang="en-US" sz="1400" i="1" dirty="0"/>
                   <a:t>Streptomyces</a:t>
                 </a:r>
-                <a:endParaRPr lang="en-US" sz="1400" i="1" dirty="0"/>
               </a:p>
             </p:txBody>
           </p:sp>
@@ -3434,6 +3411,7 @@
           </p:nvPicPr>
           <p:blipFill>
             <a:blip r:embed="rId3">
+              <a:grayscl/>
               <a:extLst>
                 <a:ext uri="{28A0092B-C50C-407E-A947-70E740481C1C}">
                   <a14:useLocalDpi xmlns:a14="http://schemas.microsoft.com/office/drawing/2010/main" val="0"/>

--- a/images/signal_Actinobacteria.pptx
+++ b/images/signal_Actinobacteria.pptx
@@ -304,7 +304,7 @@
           <a:p>
             <a:fld id="{01197F44-DB72-474A-9754-31703E05C006}" type="datetimeFigureOut">
               <a:rPr lang="en-US" smtClean="0"/>
-              <a:t>11/25/19</a:t>
+              <a:t>10/15/19</a:t>
             </a:fld>
             <a:endParaRPr lang="en-US"/>
           </a:p>
@@ -474,7 +474,7 @@
           <a:p>
             <a:fld id="{01197F44-DB72-474A-9754-31703E05C006}" type="datetimeFigureOut">
               <a:rPr lang="en-US" smtClean="0"/>
-              <a:t>11/25/19</a:t>
+              <a:t>10/15/19</a:t>
             </a:fld>
             <a:endParaRPr lang="en-US"/>
           </a:p>
@@ -654,7 +654,7 @@
           <a:p>
             <a:fld id="{01197F44-DB72-474A-9754-31703E05C006}" type="datetimeFigureOut">
               <a:rPr lang="en-US" smtClean="0"/>
-              <a:t>11/25/19</a:t>
+              <a:t>10/15/19</a:t>
             </a:fld>
             <a:endParaRPr lang="en-US"/>
           </a:p>
@@ -824,7 +824,7 @@
           <a:p>
             <a:fld id="{01197F44-DB72-474A-9754-31703E05C006}" type="datetimeFigureOut">
               <a:rPr lang="en-US" smtClean="0"/>
-              <a:t>11/25/19</a:t>
+              <a:t>10/15/19</a:t>
             </a:fld>
             <a:endParaRPr lang="en-US"/>
           </a:p>
@@ -1070,7 +1070,7 @@
           <a:p>
             <a:fld id="{01197F44-DB72-474A-9754-31703E05C006}" type="datetimeFigureOut">
               <a:rPr lang="en-US" smtClean="0"/>
-              <a:t>11/25/19</a:t>
+              <a:t>10/15/19</a:t>
             </a:fld>
             <a:endParaRPr lang="en-US"/>
           </a:p>
@@ -1358,7 +1358,7 @@
           <a:p>
             <a:fld id="{01197F44-DB72-474A-9754-31703E05C006}" type="datetimeFigureOut">
               <a:rPr lang="en-US" smtClean="0"/>
-              <a:t>11/25/19</a:t>
+              <a:t>10/15/19</a:t>
             </a:fld>
             <a:endParaRPr lang="en-US"/>
           </a:p>
@@ -1780,7 +1780,7 @@
           <a:p>
             <a:fld id="{01197F44-DB72-474A-9754-31703E05C006}" type="datetimeFigureOut">
               <a:rPr lang="en-US" smtClean="0"/>
-              <a:t>11/25/19</a:t>
+              <a:t>10/15/19</a:t>
             </a:fld>
             <a:endParaRPr lang="en-US"/>
           </a:p>
@@ -1898,7 +1898,7 @@
           <a:p>
             <a:fld id="{01197F44-DB72-474A-9754-31703E05C006}" type="datetimeFigureOut">
               <a:rPr lang="en-US" smtClean="0"/>
-              <a:t>11/25/19</a:t>
+              <a:t>10/15/19</a:t>
             </a:fld>
             <a:endParaRPr lang="en-US"/>
           </a:p>
@@ -1993,7 +1993,7 @@
           <a:p>
             <a:fld id="{01197F44-DB72-474A-9754-31703E05C006}" type="datetimeFigureOut">
               <a:rPr lang="en-US" smtClean="0"/>
-              <a:t>11/25/19</a:t>
+              <a:t>10/15/19</a:t>
             </a:fld>
             <a:endParaRPr lang="en-US"/>
           </a:p>
@@ -2270,7 +2270,7 @@
           <a:p>
             <a:fld id="{01197F44-DB72-474A-9754-31703E05C006}" type="datetimeFigureOut">
               <a:rPr lang="en-US" smtClean="0"/>
-              <a:t>11/25/19</a:t>
+              <a:t>10/15/19</a:t>
             </a:fld>
             <a:endParaRPr lang="en-US"/>
           </a:p>
@@ -2523,7 +2523,7 @@
           <a:p>
             <a:fld id="{01197F44-DB72-474A-9754-31703E05C006}" type="datetimeFigureOut">
               <a:rPr lang="en-US" smtClean="0"/>
-              <a:t>11/25/19</a:t>
+              <a:t>10/15/19</a:t>
             </a:fld>
             <a:endParaRPr lang="en-US"/>
           </a:p>
@@ -2736,7 +2736,7 @@
           <a:p>
             <a:fld id="{01197F44-DB72-474A-9754-31703E05C006}" type="datetimeFigureOut">
               <a:rPr lang="en-US" smtClean="0"/>
-              <a:t>11/25/19</a:t>
+              <a:t>10/15/19</a:t>
             </a:fld>
             <a:endParaRPr lang="en-US"/>
           </a:p>
@@ -3148,9 +3148,7 @@
               <p:nvPr/>
             </p:nvPicPr>
             <p:blipFill>
-              <a:blip r:embed="rId2">
-                <a:grayscl/>
-              </a:blip>
+              <a:blip r:embed="rId2"/>
               <a:stretch>
                 <a:fillRect/>
               </a:stretch>
@@ -3188,10 +3186,18 @@
               <a:p>
                 <a:pPr algn="ctr"/>
                 <a:r>
-                  <a:rPr lang="en-US" sz="1400" dirty="0" err="1" smtClean="0"/>
+                  <a:rPr lang="en-US" sz="1400" dirty="0" err="1" smtClean="0">
+                    <a:solidFill>
+                      <a:srgbClr val="0070C0"/>
+                    </a:solidFill>
+                  </a:rPr>
                   <a:t>Proline</a:t>
                 </a:r>
-                <a:endParaRPr lang="en-US" sz="1400" dirty="0"/>
+                <a:endParaRPr lang="en-US" sz="1400" dirty="0">
+                  <a:solidFill>
+                    <a:srgbClr val="0070C0"/>
+                  </a:solidFill>
+                </a:endParaRPr>
               </a:p>
             </p:txBody>
           </p:sp>
@@ -3218,17 +3224,33 @@
               <a:p>
                 <a:pPr algn="ctr"/>
                 <a:r>
-                  <a:rPr lang="en-US" sz="1400" dirty="0" smtClean="0"/>
+                  <a:rPr lang="en-US" sz="1400" dirty="0" smtClean="0">
+                    <a:solidFill>
+                      <a:srgbClr val="C00000"/>
+                    </a:solidFill>
+                  </a:rPr>
                   <a:t>Phenyl-</a:t>
                 </a:r>
                 <a:br>
-                  <a:rPr lang="en-US" sz="1400" dirty="0" smtClean="0"/>
+                  <a:rPr lang="en-US" sz="1400" dirty="0" smtClean="0">
+                    <a:solidFill>
+                      <a:srgbClr val="C00000"/>
+                    </a:solidFill>
+                  </a:rPr>
                 </a:br>
                 <a:r>
-                  <a:rPr lang="en-US" sz="1400" dirty="0" smtClean="0"/>
+                  <a:rPr lang="en-US" sz="1400" dirty="0" smtClean="0">
+                    <a:solidFill>
+                      <a:srgbClr val="C00000"/>
+                    </a:solidFill>
+                  </a:rPr>
                   <a:t>alanine</a:t>
                 </a:r>
-                <a:endParaRPr lang="en-US" sz="1400" dirty="0"/>
+                <a:endParaRPr lang="en-US" sz="1400" dirty="0">
+                  <a:solidFill>
+                    <a:srgbClr val="C00000"/>
+                  </a:solidFill>
+                </a:endParaRPr>
               </a:p>
             </p:txBody>
           </p:sp>
@@ -3397,6 +3419,7 @@
                   <a:rPr lang="en-US" sz="1400" i="1" dirty="0"/>
                   <a:t>Streptomyces</a:t>
                 </a:r>
+                <a:endParaRPr lang="en-US" sz="1400" i="1" dirty="0"/>
               </a:p>
             </p:txBody>
           </p:sp>
@@ -3411,7 +3434,6 @@
           </p:nvPicPr>
           <p:blipFill>
             <a:blip r:embed="rId3">
-              <a:grayscl/>
               <a:extLst>
                 <a:ext uri="{28A0092B-C50C-407E-A947-70E740481C1C}">
                   <a14:useLocalDpi xmlns:a14="http://schemas.microsoft.com/office/drawing/2010/main" val="0"/>
